--- a/ppt/AlgoInvest&Trade.pptx
+++ b/ppt/AlgoInvest&Trade.pptx
@@ -5,7 +5,7 @@
     <p:sldMasterId id="2147483648" r:id="rId1"/>
   </p:sldMasterIdLst>
   <p:notesMasterIdLst>
-    <p:notesMasterId r:id="rId18"/>
+    <p:notesMasterId r:id="rId20"/>
   </p:notesMasterIdLst>
   <p:sldIdLst>
     <p:sldId id="257" r:id="rId2"/>
@@ -23,7 +23,9 @@
     <p:sldId id="275" r:id="rId14"/>
     <p:sldId id="261" r:id="rId15"/>
     <p:sldId id="268" r:id="rId16"/>
-    <p:sldId id="269" r:id="rId17"/>
+    <p:sldId id="276" r:id="rId17"/>
+    <p:sldId id="277" r:id="rId18"/>
+    <p:sldId id="269" r:id="rId19"/>
   </p:sldIdLst>
   <p:sldSz cx="12192000" cy="6858000"/>
   <p:notesSz cx="6858000" cy="9144000"/>
@@ -212,7 +214,7 @@
           <a:p>
             <a:fld id="{8782345B-BFD4-459E-9584-B2915B077B51}" type="datetimeFigureOut">
               <a:rPr lang="fr-FR" smtClean="0"/>
-              <a:t>27/04/2024</a:t>
+              <a:t>28/04/2024</a:t>
             </a:fld>
             <a:endParaRPr lang="fr-FR"/>
           </a:p>
@@ -989,7 +991,7 @@
           <a:p>
             <a:fld id="{5358BE47-6FF7-42A0-8D68-0D64E89707C1}" type="datetimeFigureOut">
               <a:rPr lang="fr-FR" smtClean="0"/>
-              <a:t>27/04/2024</a:t>
+              <a:t>28/04/2024</a:t>
             </a:fld>
             <a:endParaRPr lang="fr-FR"/>
           </a:p>
@@ -1187,7 +1189,7 @@
           <a:p>
             <a:fld id="{5358BE47-6FF7-42A0-8D68-0D64E89707C1}" type="datetimeFigureOut">
               <a:rPr lang="fr-FR" smtClean="0"/>
-              <a:t>27/04/2024</a:t>
+              <a:t>28/04/2024</a:t>
             </a:fld>
             <a:endParaRPr lang="fr-FR"/>
           </a:p>
@@ -1395,7 +1397,7 @@
           <a:p>
             <a:fld id="{5358BE47-6FF7-42A0-8D68-0D64E89707C1}" type="datetimeFigureOut">
               <a:rPr lang="fr-FR" smtClean="0"/>
-              <a:t>27/04/2024</a:t>
+              <a:t>28/04/2024</a:t>
             </a:fld>
             <a:endParaRPr lang="fr-FR"/>
           </a:p>
@@ -1593,7 +1595,7 @@
           <a:p>
             <a:fld id="{5358BE47-6FF7-42A0-8D68-0D64E89707C1}" type="datetimeFigureOut">
               <a:rPr lang="fr-FR" smtClean="0"/>
-              <a:t>27/04/2024</a:t>
+              <a:t>28/04/2024</a:t>
             </a:fld>
             <a:endParaRPr lang="fr-FR"/>
           </a:p>
@@ -1868,7 +1870,7 @@
           <a:p>
             <a:fld id="{5358BE47-6FF7-42A0-8D68-0D64E89707C1}" type="datetimeFigureOut">
               <a:rPr lang="fr-FR" smtClean="0"/>
-              <a:t>27/04/2024</a:t>
+              <a:t>28/04/2024</a:t>
             </a:fld>
             <a:endParaRPr lang="fr-FR"/>
           </a:p>
@@ -2133,7 +2135,7 @@
           <a:p>
             <a:fld id="{5358BE47-6FF7-42A0-8D68-0D64E89707C1}" type="datetimeFigureOut">
               <a:rPr lang="fr-FR" smtClean="0"/>
-              <a:t>27/04/2024</a:t>
+              <a:t>28/04/2024</a:t>
             </a:fld>
             <a:endParaRPr lang="fr-FR"/>
           </a:p>
@@ -2545,7 +2547,7 @@
           <a:p>
             <a:fld id="{5358BE47-6FF7-42A0-8D68-0D64E89707C1}" type="datetimeFigureOut">
               <a:rPr lang="fr-FR" smtClean="0"/>
-              <a:t>27/04/2024</a:t>
+              <a:t>28/04/2024</a:t>
             </a:fld>
             <a:endParaRPr lang="fr-FR"/>
           </a:p>
@@ -2686,7 +2688,7 @@
           <a:p>
             <a:fld id="{5358BE47-6FF7-42A0-8D68-0D64E89707C1}" type="datetimeFigureOut">
               <a:rPr lang="fr-FR" smtClean="0"/>
-              <a:t>27/04/2024</a:t>
+              <a:t>28/04/2024</a:t>
             </a:fld>
             <a:endParaRPr lang="fr-FR"/>
           </a:p>
@@ -2799,7 +2801,7 @@
           <a:p>
             <a:fld id="{5358BE47-6FF7-42A0-8D68-0D64E89707C1}" type="datetimeFigureOut">
               <a:rPr lang="fr-FR" smtClean="0"/>
-              <a:t>27/04/2024</a:t>
+              <a:t>28/04/2024</a:t>
             </a:fld>
             <a:endParaRPr lang="fr-FR"/>
           </a:p>
@@ -3110,7 +3112,7 @@
           <a:p>
             <a:fld id="{5358BE47-6FF7-42A0-8D68-0D64E89707C1}" type="datetimeFigureOut">
               <a:rPr lang="fr-FR" smtClean="0"/>
-              <a:t>27/04/2024</a:t>
+              <a:t>28/04/2024</a:t>
             </a:fld>
             <a:endParaRPr lang="fr-FR"/>
           </a:p>
@@ -3398,7 +3400,7 @@
           <a:p>
             <a:fld id="{5358BE47-6FF7-42A0-8D68-0D64E89707C1}" type="datetimeFigureOut">
               <a:rPr lang="fr-FR" smtClean="0"/>
-              <a:t>27/04/2024</a:t>
+              <a:t>28/04/2024</a:t>
             </a:fld>
             <a:endParaRPr lang="fr-FR"/>
           </a:p>
@@ -3639,7 +3641,7 @@
           <a:p>
             <a:fld id="{5358BE47-6FF7-42A0-8D68-0D64E89707C1}" type="datetimeFigureOut">
               <a:rPr lang="fr-FR" smtClean="0"/>
-              <a:t>27/04/2024</a:t>
+              <a:t>28/04/2024</a:t>
             </a:fld>
             <a:endParaRPr lang="fr-FR"/>
           </a:p>
@@ -14037,6 +14039,132 @@
           <a:chExt cx="0" cy="0"/>
         </a:xfrm>
       </p:grpSpPr>
+      <p:pic>
+        <p:nvPicPr>
+          <p:cNvPr id="10" name="Image 9">
+            <a:extLst>
+              <a:ext uri="{FF2B5EF4-FFF2-40B4-BE49-F238E27FC236}">
+                <a16:creationId xmlns:a16="http://schemas.microsoft.com/office/drawing/2014/main" id="{6BF66A80-5D20-02BE-4243-F7436095852B}"/>
+              </a:ext>
+            </a:extLst>
+          </p:cNvPr>
+          <p:cNvPicPr>
+            <a:picLocks noChangeAspect="1"/>
+          </p:cNvPicPr>
+          <p:nvPr/>
+        </p:nvPicPr>
+        <p:blipFill>
+          <a:blip r:embed="rId2"/>
+          <a:stretch>
+            <a:fillRect/>
+          </a:stretch>
+        </p:blipFill>
+        <p:spPr>
+          <a:xfrm>
+            <a:off x="622252" y="2042676"/>
+            <a:ext cx="5191850" cy="3124636"/>
+          </a:xfrm>
+          <a:prstGeom prst="rect">
+            <a:avLst/>
+          </a:prstGeom>
+        </p:spPr>
+      </p:pic>
+      <p:sp>
+        <p:nvSpPr>
+          <p:cNvPr id="2" name="Titre 1">
+            <a:extLst>
+              <a:ext uri="{FF2B5EF4-FFF2-40B4-BE49-F238E27FC236}">
+                <a16:creationId xmlns:a16="http://schemas.microsoft.com/office/drawing/2014/main" id="{A86CC33C-262A-3B0C-9A7E-DDC691706D3B}"/>
+              </a:ext>
+            </a:extLst>
+          </p:cNvPr>
+          <p:cNvSpPr>
+            <a:spLocks noGrp="1"/>
+          </p:cNvSpPr>
+          <p:nvPr>
+            <p:ph type="title"/>
+          </p:nvPr>
+        </p:nvSpPr>
+        <p:spPr/>
+        <p:txBody>
+          <a:bodyPr/>
+          <a:lstStyle/>
+          <a:p>
+            <a:r>
+              <a:rPr lang="fr-FR" b="1" dirty="0">
+                <a:solidFill>
+                  <a:srgbClr val="004782"/>
+                </a:solidFill>
+                <a:latin typeface="Roboto" panose="02000000000000000000" pitchFamily="2" charset="0"/>
+                <a:ea typeface="Roboto" panose="02000000000000000000" pitchFamily="2" charset="0"/>
+                <a:cs typeface="Roboto" panose="02000000000000000000" pitchFamily="2" charset="0"/>
+              </a:rPr>
+              <a:t>Comparaison des algorithmes liste 1</a:t>
+            </a:r>
+            <a:endParaRPr lang="fr-FR" dirty="0"/>
+          </a:p>
+        </p:txBody>
+      </p:sp>
+      <p:pic>
+        <p:nvPicPr>
+          <p:cNvPr id="8" name="Image 7">
+            <a:extLst>
+              <a:ext uri="{FF2B5EF4-FFF2-40B4-BE49-F238E27FC236}">
+                <a16:creationId xmlns:a16="http://schemas.microsoft.com/office/drawing/2014/main" id="{02894C50-AAC6-B0CE-FD5E-E0C743321B59}"/>
+              </a:ext>
+            </a:extLst>
+          </p:cNvPr>
+          <p:cNvPicPr>
+            <a:picLocks noChangeAspect="1"/>
+          </p:cNvPicPr>
+          <p:nvPr/>
+        </p:nvPicPr>
+        <p:blipFill>
+          <a:blip r:embed="rId3"/>
+          <a:stretch>
+            <a:fillRect/>
+          </a:stretch>
+        </p:blipFill>
+        <p:spPr>
+          <a:xfrm>
+            <a:off x="4684954" y="1690688"/>
+            <a:ext cx="6884794" cy="4626581"/>
+          </a:xfrm>
+          <a:prstGeom prst="rect">
+            <a:avLst/>
+          </a:prstGeom>
+        </p:spPr>
+      </p:pic>
+    </p:spTree>
+    <p:extLst>
+      <p:ext uri="{BB962C8B-B14F-4D97-AF65-F5344CB8AC3E}">
+        <p14:creationId xmlns:p14="http://schemas.microsoft.com/office/powerpoint/2010/main" val="4227903373"/>
+      </p:ext>
+    </p:extLst>
+  </p:cSld>
+  <p:clrMapOvr>
+    <a:masterClrMapping/>
+  </p:clrMapOvr>
+</p:sld>
+</file>
+
+<file path=ppt/slides/slide17.xml><?xml version="1.0" encoding="utf-8"?>
+<p:sld xmlns:a="http://schemas.openxmlformats.org/drawingml/2006/main" xmlns:r="http://schemas.openxmlformats.org/officeDocument/2006/relationships" xmlns:p="http://schemas.openxmlformats.org/presentationml/2006/main">
+  <p:cSld>
+    <p:spTree>
+      <p:nvGrpSpPr>
+        <p:cNvPr id="1" name=""/>
+        <p:cNvGrpSpPr/>
+        <p:nvPr/>
+      </p:nvGrpSpPr>
+      <p:grpSpPr>
+        <a:xfrm>
+          <a:off x="0" y="0"/>
+          <a:ext cx="0" cy="0"/>
+          <a:chOff x="0" y="0"/>
+          <a:chExt cx="0" cy="0"/>
+        </a:xfrm>
+      </p:grpSpPr>
       <p:sp>
         <p:nvSpPr>
           <p:cNvPr id="2" name="Titre 1">
@@ -14087,11 +14215,6 @@
           </p:cNvGraphicFramePr>
           <p:nvPr>
             <p:ph idx="1"/>
-            <p:extLst>
-              <p:ext uri="{D42A27DB-BD31-4B8C-83A1-F6EECF244321}">
-                <p14:modId xmlns:p14="http://schemas.microsoft.com/office/powerpoint/2010/main" val="2959185364"/>
-              </p:ext>
-            </p:extLst>
           </p:nvPr>
         </p:nvGraphicFramePr>
         <p:xfrm>
@@ -14488,6 +14611,132 @@
           </a:p>
         </p:txBody>
       </p:sp>
+    </p:spTree>
+    <p:extLst>
+      <p:ext uri="{BB962C8B-B14F-4D97-AF65-F5344CB8AC3E}">
+        <p14:creationId xmlns:p14="http://schemas.microsoft.com/office/powerpoint/2010/main" val="2038738893"/>
+      </p:ext>
+    </p:extLst>
+  </p:cSld>
+  <p:clrMapOvr>
+    <a:masterClrMapping/>
+  </p:clrMapOvr>
+</p:sld>
+</file>
+
+<file path=ppt/slides/slide18.xml><?xml version="1.0" encoding="utf-8"?>
+<p:sld xmlns:a="http://schemas.openxmlformats.org/drawingml/2006/main" xmlns:r="http://schemas.openxmlformats.org/officeDocument/2006/relationships" xmlns:p="http://schemas.openxmlformats.org/presentationml/2006/main">
+  <p:cSld>
+    <p:spTree>
+      <p:nvGrpSpPr>
+        <p:cNvPr id="1" name=""/>
+        <p:cNvGrpSpPr/>
+        <p:nvPr/>
+      </p:nvGrpSpPr>
+      <p:grpSpPr>
+        <a:xfrm>
+          <a:off x="0" y="0"/>
+          <a:ext cx="0" cy="0"/>
+          <a:chOff x="0" y="0"/>
+          <a:chExt cx="0" cy="0"/>
+        </a:xfrm>
+      </p:grpSpPr>
+      <p:pic>
+        <p:nvPicPr>
+          <p:cNvPr id="10" name="Image 9">
+            <a:extLst>
+              <a:ext uri="{FF2B5EF4-FFF2-40B4-BE49-F238E27FC236}">
+                <a16:creationId xmlns:a16="http://schemas.microsoft.com/office/drawing/2014/main" id="{6B612328-7886-57D8-39E2-328D5FB3191A}"/>
+              </a:ext>
+            </a:extLst>
+          </p:cNvPr>
+          <p:cNvPicPr>
+            <a:picLocks noChangeAspect="1"/>
+          </p:cNvPicPr>
+          <p:nvPr/>
+        </p:nvPicPr>
+        <p:blipFill>
+          <a:blip r:embed="rId2"/>
+          <a:stretch>
+            <a:fillRect/>
+          </a:stretch>
+        </p:blipFill>
+        <p:spPr>
+          <a:xfrm>
+            <a:off x="390553" y="1368308"/>
+            <a:ext cx="10259857" cy="6525536"/>
+          </a:xfrm>
+          <a:prstGeom prst="rect">
+            <a:avLst/>
+          </a:prstGeom>
+        </p:spPr>
+      </p:pic>
+      <p:sp>
+        <p:nvSpPr>
+          <p:cNvPr id="2" name="Titre 1">
+            <a:extLst>
+              <a:ext uri="{FF2B5EF4-FFF2-40B4-BE49-F238E27FC236}">
+                <a16:creationId xmlns:a16="http://schemas.microsoft.com/office/drawing/2014/main" id="{A86CC33C-262A-3B0C-9A7E-DDC691706D3B}"/>
+              </a:ext>
+            </a:extLst>
+          </p:cNvPr>
+          <p:cNvSpPr>
+            <a:spLocks noGrp="1"/>
+          </p:cNvSpPr>
+          <p:nvPr>
+            <p:ph type="title"/>
+          </p:nvPr>
+        </p:nvSpPr>
+        <p:spPr/>
+        <p:txBody>
+          <a:bodyPr/>
+          <a:lstStyle/>
+          <a:p>
+            <a:r>
+              <a:rPr lang="fr-FR" b="1" dirty="0">
+                <a:solidFill>
+                  <a:srgbClr val="004782"/>
+                </a:solidFill>
+                <a:latin typeface="Roboto" panose="02000000000000000000" pitchFamily="2" charset="0"/>
+                <a:ea typeface="Roboto" panose="02000000000000000000" pitchFamily="2" charset="0"/>
+                <a:cs typeface="Roboto" panose="02000000000000000000" pitchFamily="2" charset="0"/>
+              </a:rPr>
+              <a:t>Comparaison des algorithmes liste 2</a:t>
+            </a:r>
+            <a:endParaRPr lang="fr-FR" dirty="0"/>
+          </a:p>
+        </p:txBody>
+      </p:sp>
+      <p:pic>
+        <p:nvPicPr>
+          <p:cNvPr id="8" name="Image 7">
+            <a:extLst>
+              <a:ext uri="{FF2B5EF4-FFF2-40B4-BE49-F238E27FC236}">
+                <a16:creationId xmlns:a16="http://schemas.microsoft.com/office/drawing/2014/main" id="{A0C6CB39-F1EB-4607-FC86-E0BBD8082380}"/>
+              </a:ext>
+            </a:extLst>
+          </p:cNvPr>
+          <p:cNvPicPr>
+            <a:picLocks noChangeAspect="1"/>
+          </p:cNvPicPr>
+          <p:nvPr/>
+        </p:nvPicPr>
+        <p:blipFill>
+          <a:blip r:embed="rId3"/>
+          <a:stretch>
+            <a:fillRect/>
+          </a:stretch>
+        </p:blipFill>
+        <p:spPr>
+          <a:xfrm>
+            <a:off x="5386918" y="1982912"/>
+            <a:ext cx="5966882" cy="4283128"/>
+          </a:xfrm>
+          <a:prstGeom prst="rect">
+            <a:avLst/>
+          </a:prstGeom>
+        </p:spPr>
+      </p:pic>
     </p:spTree>
     <p:extLst>
       <p:ext uri="{BB962C8B-B14F-4D97-AF65-F5344CB8AC3E}">
